--- a/lecture/cs224n/lecture1/[200808] 김원규 (cs224n-lecture1 세미나).pptx
+++ b/lecture/cs224n/lecture1/[200808] 김원규 (cs224n-lecture1 세미나).pptx
@@ -34,16 +34,16 @@
       <p:regular r:id="rId20"/>
     </p:embeddedFont>
     <p:embeddedFont>
+      <p:font typeface="나눔고딕" panose="020D0604000000000000" pitchFamily="50" charset="-127"/>
+      <p:regular r:id="rId21"/>
+      <p:bold r:id="rId22"/>
+    </p:embeddedFont>
+    <p:embeddedFont>
       <p:font typeface="나눔스퀘어" panose="020B0600000101010101" pitchFamily="50" charset="-127"/>
-      <p:regular r:id="rId21"/>
+      <p:regular r:id="rId23"/>
     </p:embeddedFont>
     <p:embeddedFont>
       <p:font typeface="나눔스퀘어 ExtraBold" panose="020B0600000101010101" pitchFamily="50" charset="-127"/>
-      <p:bold r:id="rId22"/>
-    </p:embeddedFont>
-    <p:embeddedFont>
-      <p:font typeface="나눔고딕" panose="020D0604000000000000" pitchFamily="50" charset="-127"/>
-      <p:regular r:id="rId23"/>
       <p:bold r:id="rId24"/>
     </p:embeddedFont>
     <p:embeddedFont>
@@ -166,6 +166,9 @@
         </p15:guide>
       </p15:sldGuideLst>
     </p:ext>
+    <p:ext uri="{2D200454-40CA-4A62-9FC3-DE9A4176ACB9}">
+      <p15:notesGuideLst xmlns:p15="http://schemas.microsoft.com/office/powerpoint/2012/main"/>
+    </p:ext>
   </p:extLst>
 </p:presentation>
 </file>
@@ -252,7 +255,7 @@
           <a:p>
             <a:fld id="{A3661A17-B369-40A6-BAD3-08D18F542D5C}" type="datetimeFigureOut">
               <a:rPr lang="ko-KR" altLang="en-US" smtClean="0"/>
-              <a:t>2020-08-06</a:t>
+              <a:t>2020-08-07</a:t>
             </a:fld>
             <a:endParaRPr lang="ko-KR" altLang="en-US"/>
           </a:p>
@@ -1110,7 +1113,7 @@
             </a:r>
             <a:r>
               <a:rPr lang="ko-KR" altLang="en-US" dirty="0"/>
-              <a:t>유사성을 알려주는 것 같긴 하나 사실은 그런 것이 아니고 여러 문제가 있다</a:t>
+              <a:t>유사성을 알려줌 여러 문제가 있다</a:t>
             </a:r>
             <a:r>
               <a:rPr lang="en-US" altLang="ko-KR" dirty="0"/>
